--- a/docs/understanding_spark.pptx
+++ b/docs/understanding_spark.pptx
@@ -20,6 +20,8 @@
     <p:sldId id="268" r:id="rId15"/>
     <p:sldId id="269" r:id="rId16"/>
     <p:sldId id="270" r:id="rId17"/>
+    <p:sldId id="271" r:id="rId18"/>
+    <p:sldId id="272" r:id="rId19"/>
   </p:sldIdLst>
   <p:sldSz cx="12192000" cy="6858000"/>
   <p:notesSz cx="6858000" cy="9144000"/>
@@ -3710,17 +3712,356 @@
         <p:spPr>
           <a:xfrm>
             <a:off x="7620" y="1034415"/>
-            <a:ext cx="12220575" cy="4789170"/>
-          </a:xfrm>
-        </p:spPr>
-        <p:txBody>
-          <a:bodyPr/>
+            <a:ext cx="12220575" cy="5876925"/>
+          </a:xfrm>
+        </p:spPr>
+        <p:txBody>
+          <a:bodyPr>
+            <a:normAutofit lnSpcReduction="10000"/>
+          </a:bodyPr>
           <a:p>
             <a:r>
               <a:rPr lang="en-US"/>
               <a:t>Spark’s shells allow you to interact with data that is distributed on disk or in memory across many machines, and Spark takes care of automatically distributing this processing</a:t>
             </a:r>
             <a:endParaRPr lang="en-US"/>
+          </a:p>
+          <a:p>
+            <a:r>
+              <a:rPr lang="en-US"/>
+              <a:t>At a high level, every Spark application consists of a driver program that launches various parallel operations on a cluster.</a:t>
+            </a:r>
+            <a:endParaRPr lang="en-US"/>
+          </a:p>
+          <a:p>
+            <a:r>
+              <a:rPr lang="en-US"/>
+              <a:t>Driver programs access Spark through a SparkContext object, which represents a connection to a computing cluster.</a:t>
+            </a:r>
+            <a:endParaRPr lang="en-US"/>
+          </a:p>
+          <a:p>
+            <a:r>
+              <a:rPr lang="en-US"/>
+              <a:t>In the shell, a SparkContext is automatically created for you as the variable called sc </a:t>
+            </a:r>
+            <a:r>
+              <a:rPr lang="en-IN" altLang="en-US"/>
+              <a:t>or spark [depends upon version]</a:t>
+            </a:r>
+            <a:endParaRPr lang="en-IN" altLang="en-US"/>
+          </a:p>
+          <a:p>
+            <a:r>
+              <a:rPr lang="en-US"/>
+              <a:t>Once you have a SparkContext, you can use it to build RDDs</a:t>
+            </a:r>
+            <a:endParaRPr lang="en-IN" altLang="en-US"/>
+          </a:p>
+          <a:p>
+            <a:r>
+              <a:rPr lang="en-US"/>
+              <a:t>To run these operations, driver programs typically manage a number of nodes called executors</a:t>
+            </a:r>
+            <a:endParaRPr lang="en-US"/>
+          </a:p>
+          <a:p>
+            <a:endParaRPr lang="en-US"/>
+          </a:p>
+        </p:txBody>
+      </p:sp>
+    </p:spTree>
+  </p:cSld>
+  <p:clrMapOvr>
+    <a:masterClrMapping/>
+  </p:clrMapOvr>
+</p:sld>
+</file>
+
+<file path=ppt/slides/slide16.xml><?xml version="1.0" encoding="utf-8"?>
+<p:sld xmlns:a="http://schemas.openxmlformats.org/drawingml/2006/main" xmlns:r="http://schemas.openxmlformats.org/officeDocument/2006/relationships" xmlns:p="http://schemas.openxmlformats.org/presentationml/2006/main">
+  <p:cSld>
+    <p:spTree>
+      <p:nvGrpSpPr>
+        <p:cNvPr id="1" name=""/>
+        <p:cNvGrpSpPr/>
+        <p:nvPr/>
+      </p:nvGrpSpPr>
+      <p:grpSpPr/>
+      <p:sp>
+        <p:nvSpPr>
+          <p:cNvPr id="2" name="Title 1"/>
+          <p:cNvSpPr>
+            <a:spLocks noGrp="1"/>
+          </p:cNvSpPr>
+          <p:nvPr>
+            <p:ph type="title"/>
+          </p:nvPr>
+        </p:nvSpPr>
+        <p:spPr>
+          <a:xfrm>
+            <a:off x="22225" y="32385"/>
+            <a:ext cx="10515600" cy="466725"/>
+          </a:xfrm>
+        </p:spPr>
+        <p:txBody>
+          <a:bodyPr>
+            <a:normAutofit fontScale="90000"/>
+          </a:bodyPr>
+          <a:p>
+            <a:r>
+              <a:rPr lang="en-IN" altLang="en-US"/>
+              <a:t>driver program</a:t>
+            </a:r>
+            <a:endParaRPr lang="en-IN" altLang="en-US"/>
+          </a:p>
+        </p:txBody>
+      </p:sp>
+      <p:pic>
+        <p:nvPicPr>
+          <p:cNvPr id="5" name="Content Placeholder 4"/>
+          <p:cNvPicPr>
+            <a:picLocks noChangeAspect="1"/>
+          </p:cNvPicPr>
+          <p:nvPr>
+            <p:ph sz="half" idx="1"/>
+          </p:nvPr>
+        </p:nvPicPr>
+        <p:blipFill>
+          <a:blip r:embed="rId1"/>
+          <a:stretch>
+            <a:fillRect/>
+          </a:stretch>
+        </p:blipFill>
+        <p:spPr>
+          <a:xfrm>
+            <a:off x="-67945" y="1101090"/>
+            <a:ext cx="4626610" cy="4351655"/>
+          </a:xfrm>
+          <a:prstGeom prst="rect">
+            <a:avLst/>
+          </a:prstGeom>
+        </p:spPr>
+      </p:pic>
+      <p:sp>
+        <p:nvSpPr>
+          <p:cNvPr id="4" name="Content Placeholder 3"/>
+          <p:cNvSpPr>
+            <a:spLocks noGrp="1"/>
+          </p:cNvSpPr>
+          <p:nvPr>
+            <p:ph sz="half" idx="2"/>
+          </p:nvPr>
+        </p:nvSpPr>
+        <p:spPr>
+          <a:xfrm>
+            <a:off x="4393565" y="31750"/>
+            <a:ext cx="7835900" cy="6809105"/>
+          </a:xfrm>
+        </p:spPr>
+        <p:txBody>
+          <a:bodyPr/>
+          <a:p>
+            <a:r>
+              <a:rPr lang="en-US" sz="2000"/>
+              <a:t>&gt;&gt;&gt; lines = sc.textFile("README.md")</a:t>
+            </a:r>
+            <a:endParaRPr lang="en-US" sz="2000"/>
+          </a:p>
+          <a:p>
+            <a:r>
+              <a:rPr lang="en-US" sz="2000"/>
+              <a:t>&gt;&gt;&gt; pythonLines = lines.filter(lambda line: "Python" in line)</a:t>
+            </a:r>
+            <a:endParaRPr lang="en-US" sz="2000"/>
+          </a:p>
+          <a:p>
+            <a:r>
+              <a:rPr lang="en-US" sz="2000"/>
+              <a:t>&gt;&gt;&gt; pythonLines.first()</a:t>
+            </a:r>
+            <a:endParaRPr lang="en-US" sz="2000"/>
+          </a:p>
+          <a:p>
+            <a:r>
+              <a:rPr lang="en-US" sz="2000"/>
+              <a:t>Spark automatically takes your function (e.g., line.contains("Python")) and ships it to executor nodes</a:t>
+            </a:r>
+            <a:endParaRPr lang="en-US" sz="2000"/>
+          </a:p>
+          <a:p>
+            <a:r>
+              <a:rPr lang="en-US" sz="2000"/>
+              <a:t>you can write code in a single driver program and automatically have parts of it run on multiple nodes</a:t>
+            </a:r>
+            <a:endParaRPr lang="en-US" sz="2000"/>
+          </a:p>
+          <a:p>
+            <a:r>
+              <a:rPr lang="en-US" sz="2000"/>
+              <a:t>Spark can be linked into standalone applications in either Java, Scala, or Python. The main difference from using it in the shell is that you need to initialize your own SparkContext. After that, the API is same</a:t>
+            </a:r>
+            <a:endParaRPr lang="en-US" sz="2000"/>
+          </a:p>
+          <a:p>
+            <a:r>
+              <a:rPr lang="en-US" sz="2000"/>
+              <a:t>The process of linking to Spark varies by language. In Java and Scala, you give your application a Maven dependency on the spark-core artifact</a:t>
+            </a:r>
+            <a:endParaRPr lang="en-US" sz="2000"/>
+          </a:p>
+          <a:p>
+            <a:r>
+              <a:rPr lang="en-US" sz="2000"/>
+              <a:t>In Python, you simply write applications as Python scripts, but you must run them using the bin/spark-submit script included in Spark</a:t>
+            </a:r>
+            <a:endParaRPr lang="en-US" sz="2000"/>
+          </a:p>
+          <a:p>
+            <a:endParaRPr lang="en-US" sz="2000"/>
+          </a:p>
+          <a:p>
+            <a:endParaRPr lang="en-US" sz="2000"/>
+          </a:p>
+          <a:p>
+            <a:endParaRPr lang="en-US" sz="2000"/>
+          </a:p>
+        </p:txBody>
+      </p:sp>
+    </p:spTree>
+  </p:cSld>
+  <p:clrMapOvr>
+    <a:masterClrMapping/>
+  </p:clrMapOvr>
+</p:sld>
+</file>
+
+<file path=ppt/slides/slide17.xml><?xml version="1.0" encoding="utf-8"?>
+<p:sld xmlns:a="http://schemas.openxmlformats.org/drawingml/2006/main" xmlns:r="http://schemas.openxmlformats.org/officeDocument/2006/relationships" xmlns:p="http://schemas.openxmlformats.org/presentationml/2006/main">
+  <p:cSld>
+    <p:spTree>
+      <p:nvGrpSpPr>
+        <p:cNvPr id="1" name=""/>
+        <p:cNvGrpSpPr/>
+        <p:nvPr/>
+      </p:nvGrpSpPr>
+      <p:grpSpPr/>
+      <p:sp>
+        <p:nvSpPr>
+          <p:cNvPr id="2" name="Title 1"/>
+          <p:cNvSpPr>
+            <a:spLocks noGrp="1"/>
+          </p:cNvSpPr>
+          <p:nvPr>
+            <p:ph type="title"/>
+          </p:nvPr>
+        </p:nvSpPr>
+        <p:spPr>
+          <a:xfrm>
+            <a:off x="22225" y="17145"/>
+            <a:ext cx="5077460" cy="554990"/>
+          </a:xfrm>
+        </p:spPr>
+        <p:txBody>
+          <a:bodyPr>
+            <a:normAutofit fontScale="90000"/>
+          </a:bodyPr>
+          <a:p>
+            <a:r>
+              <a:rPr lang="en-IN" altLang="en-US"/>
+              <a:t>programming with RDD</a:t>
+            </a:r>
+            <a:endParaRPr lang="en-IN" altLang="en-US"/>
+          </a:p>
+        </p:txBody>
+      </p:sp>
+      <p:sp>
+        <p:nvSpPr>
+          <p:cNvPr id="3" name="Content Placeholder 2"/>
+          <p:cNvSpPr>
+            <a:spLocks noGrp="1"/>
+          </p:cNvSpPr>
+          <p:nvPr>
+            <p:ph sz="half" idx="1"/>
+          </p:nvPr>
+        </p:nvSpPr>
+        <p:spPr>
+          <a:xfrm>
+            <a:off x="21590" y="571500"/>
+            <a:ext cx="12207875" cy="6300470"/>
+          </a:xfrm>
+        </p:spPr>
+        <p:txBody>
+          <a:bodyPr>
+            <a:normAutofit lnSpcReduction="20000"/>
+          </a:bodyPr>
+          <a:p>
+            <a:r>
+              <a:rPr lang="en-US"/>
+              <a:t>In Spark all work is expressed as either creating new RDDs, transforming existing RDDs, or calling operations on RDDs to compute a result</a:t>
+            </a:r>
+            <a:endParaRPr lang="en-US"/>
+          </a:p>
+          <a:p>
+            <a:r>
+              <a:rPr lang="en-US">
+                <a:sym typeface="+mn-ea"/>
+              </a:rPr>
+              <a:t>An RDD in Spark is simply an immutable distributed collection of objects. Each RDD is split into multiple partitions, which may be computed on different nodes of the cluster</a:t>
+            </a:r>
+            <a:endParaRPr lang="en-US"/>
+          </a:p>
+          <a:p>
+            <a:r>
+              <a:rPr lang="en-US"/>
+              <a:t>Users create RDDs in two ways: by loading an external dataset, or by distributing a collection of objects (e.g., a list or set) in their driver program</a:t>
+            </a:r>
+            <a:endParaRPr lang="en-US"/>
+          </a:p>
+          <a:p>
+            <a:r>
+              <a:rPr lang="en-US"/>
+              <a:t>Once created, RDDs offer two types of operations: transformations and actions</a:t>
+            </a:r>
+            <a:endParaRPr lang="en-US"/>
+          </a:p>
+          <a:p>
+            <a:r>
+              <a:rPr lang="en-US"/>
+              <a:t>Transformations construct a new RDD from a previous one</a:t>
+            </a:r>
+            <a:endParaRPr lang="en-US"/>
+          </a:p>
+          <a:p>
+            <a:r>
+              <a:rPr lang="en-US"/>
+              <a:t>Actions, on the other hand, compute a result based on an RDD, and either return it to the driver program or save it to an external storage system(e.g., HDFS)</a:t>
+            </a:r>
+            <a:endParaRPr lang="en-US"/>
+          </a:p>
+          <a:p>
+            <a:r>
+              <a:rPr lang="en-US"/>
+              <a:t>Spark’s RDDs are by default recomputed each time you run an action on them.</a:t>
+            </a:r>
+            <a:endParaRPr lang="en-US"/>
+          </a:p>
+          <a:p>
+            <a:r>
+              <a:rPr lang="en-IN" altLang="en-US"/>
+              <a:t>To reuse an RDD in multiple actions, can do RDD.persist()</a:t>
+            </a:r>
+            <a:endParaRPr lang="en-IN" altLang="en-US"/>
+          </a:p>
+          <a:p>
+            <a:r>
+              <a:rPr lang="en-IN" altLang="en-US"/>
+              <a:t>After computing it the first time, Spark will store the RDD contents in memory (partitioned across the machines in your cluster), and reuse them in future actions.</a:t>
+            </a:r>
+            <a:endParaRPr lang="en-IN" altLang="en-US"/>
+          </a:p>
+          <a:p>
+            <a:endParaRPr lang="en-IN" altLang="en-US"/>
           </a:p>
         </p:txBody>
       </p:sp>
